--- a/presentation/Presentation.pptx
+++ b/presentation/Presentation.pptx
@@ -116,6 +116,11 @@
       </a:defRPr>
     </a:lvl9pPr>
   </p:defaultTextStyle>
+  <p:extLst>
+    <p:ext uri="{EFAFB233-063F-42B5-8137-9DF3F51BA10A}">
+      <p15:sldGuideLst xmlns:p15="http://schemas.microsoft.com/office/powerpoint/2012/main"/>
+    </p:ext>
+  </p:extLst>
 </p:presentation>
 </file>
 
@@ -268,7 +273,7 @@
           <a:p>
             <a:fld id="{80AFDA0D-E9DB-40FF-831C-74D9A44A70CE}" type="datetimeFigureOut">
               <a:rPr lang="hu-HU" smtClean="0"/>
-              <a:t>2025. 04. 13.</a:t>
+              <a:t>2025. 04. 28.</a:t>
             </a:fld>
             <a:endParaRPr lang="hu-HU"/>
           </a:p>
@@ -468,7 +473,7 @@
           <a:p>
             <a:fld id="{80AFDA0D-E9DB-40FF-831C-74D9A44A70CE}" type="datetimeFigureOut">
               <a:rPr lang="hu-HU" smtClean="0"/>
-              <a:t>2025. 04. 13.</a:t>
+              <a:t>2025. 04. 28.</a:t>
             </a:fld>
             <a:endParaRPr lang="hu-HU"/>
           </a:p>
@@ -678,7 +683,7 @@
           <a:p>
             <a:fld id="{80AFDA0D-E9DB-40FF-831C-74D9A44A70CE}" type="datetimeFigureOut">
               <a:rPr lang="hu-HU" smtClean="0"/>
-              <a:t>2025. 04. 13.</a:t>
+              <a:t>2025. 04. 28.</a:t>
             </a:fld>
             <a:endParaRPr lang="hu-HU"/>
           </a:p>
@@ -878,7 +883,7 @@
           <a:p>
             <a:fld id="{80AFDA0D-E9DB-40FF-831C-74D9A44A70CE}" type="datetimeFigureOut">
               <a:rPr lang="hu-HU" smtClean="0"/>
-              <a:t>2025. 04. 13.</a:t>
+              <a:t>2025. 04. 28.</a:t>
             </a:fld>
             <a:endParaRPr lang="hu-HU"/>
           </a:p>
@@ -1154,7 +1159,7 @@
           <a:p>
             <a:fld id="{80AFDA0D-E9DB-40FF-831C-74D9A44A70CE}" type="datetimeFigureOut">
               <a:rPr lang="hu-HU" smtClean="0"/>
-              <a:t>2025. 04. 13.</a:t>
+              <a:t>2025. 04. 28.</a:t>
             </a:fld>
             <a:endParaRPr lang="hu-HU"/>
           </a:p>
@@ -1422,7 +1427,7 @@
           <a:p>
             <a:fld id="{80AFDA0D-E9DB-40FF-831C-74D9A44A70CE}" type="datetimeFigureOut">
               <a:rPr lang="hu-HU" smtClean="0"/>
-              <a:t>2025. 04. 13.</a:t>
+              <a:t>2025. 04. 28.</a:t>
             </a:fld>
             <a:endParaRPr lang="hu-HU"/>
           </a:p>
@@ -1837,7 +1842,7 @@
           <a:p>
             <a:fld id="{80AFDA0D-E9DB-40FF-831C-74D9A44A70CE}" type="datetimeFigureOut">
               <a:rPr lang="hu-HU" smtClean="0"/>
-              <a:t>2025. 04. 13.</a:t>
+              <a:t>2025. 04. 28.</a:t>
             </a:fld>
             <a:endParaRPr lang="hu-HU"/>
           </a:p>
@@ -1979,7 +1984,7 @@
           <a:p>
             <a:fld id="{80AFDA0D-E9DB-40FF-831C-74D9A44A70CE}" type="datetimeFigureOut">
               <a:rPr lang="hu-HU" smtClean="0"/>
-              <a:t>2025. 04. 13.</a:t>
+              <a:t>2025. 04. 28.</a:t>
             </a:fld>
             <a:endParaRPr lang="hu-HU"/>
           </a:p>
@@ -2092,7 +2097,7 @@
           <a:p>
             <a:fld id="{80AFDA0D-E9DB-40FF-831C-74D9A44A70CE}" type="datetimeFigureOut">
               <a:rPr lang="hu-HU" smtClean="0"/>
-              <a:t>2025. 04. 13.</a:t>
+              <a:t>2025. 04. 28.</a:t>
             </a:fld>
             <a:endParaRPr lang="hu-HU"/>
           </a:p>
@@ -2405,7 +2410,7 @@
           <a:p>
             <a:fld id="{80AFDA0D-E9DB-40FF-831C-74D9A44A70CE}" type="datetimeFigureOut">
               <a:rPr lang="hu-HU" smtClean="0"/>
-              <a:t>2025. 04. 13.</a:t>
+              <a:t>2025. 04. 28.</a:t>
             </a:fld>
             <a:endParaRPr lang="hu-HU"/>
           </a:p>
@@ -2694,7 +2699,7 @@
           <a:p>
             <a:fld id="{80AFDA0D-E9DB-40FF-831C-74D9A44A70CE}" type="datetimeFigureOut">
               <a:rPr lang="hu-HU" smtClean="0"/>
-              <a:t>2025. 04. 13.</a:t>
+              <a:t>2025. 04. 28.</a:t>
             </a:fld>
             <a:endParaRPr lang="hu-HU"/>
           </a:p>
@@ -2937,7 +2942,7 @@
           <a:p>
             <a:fld id="{80AFDA0D-E9DB-40FF-831C-74D9A44A70CE}" type="datetimeFigureOut">
               <a:rPr lang="hu-HU" smtClean="0"/>
-              <a:t>2025. 04. 13.</a:t>
+              <a:t>2025. 04. 28.</a:t>
             </a:fld>
             <a:endParaRPr lang="hu-HU"/>
           </a:p>
@@ -3808,13 +3813,13 @@
   <p:clrMapOvr>
     <a:masterClrMapping/>
   </p:clrMapOvr>
-  <mc:AlternateContent xmlns:mc="http://schemas.openxmlformats.org/markup-compatibility/2006">
-    <mc:Choice xmlns:p14="http://schemas.microsoft.com/office/powerpoint/2010/main" Requires="p14">
+  <mc:AlternateContent xmlns:mc="http://schemas.openxmlformats.org/markup-compatibility/2006" xmlns:p14="http://schemas.microsoft.com/office/powerpoint/2010/main">
+    <mc:Choice Requires="p14">
       <p:transition spd="slow" p14:dur="1300">
         <p14:pan dir="u"/>
       </p:transition>
     </mc:Choice>
-    <mc:Fallback>
+    <mc:Fallback xmlns="">
       <p:transition spd="slow">
         <p:fade/>
       </p:transition>
@@ -4215,13 +4220,13 @@
   <p:clrMapOvr>
     <a:masterClrMapping/>
   </p:clrMapOvr>
-  <mc:AlternateContent xmlns:mc="http://schemas.openxmlformats.org/markup-compatibility/2006">
-    <mc:Choice xmlns:p14="http://schemas.microsoft.com/office/powerpoint/2010/main" Requires="p14">
+  <mc:AlternateContent xmlns:mc="http://schemas.openxmlformats.org/markup-compatibility/2006" xmlns:p14="http://schemas.microsoft.com/office/powerpoint/2010/main">
+    <mc:Choice Requires="p14">
       <p:transition spd="slow" p14:dur="1300">
         <p14:pan dir="u"/>
       </p:transition>
     </mc:Choice>
-    <mc:Fallback>
+    <mc:Fallback xmlns="">
       <p:transition spd="slow">
         <p:fade/>
       </p:transition>
@@ -4487,13 +4492,13 @@
   <p:clrMapOvr>
     <a:masterClrMapping/>
   </p:clrMapOvr>
-  <mc:AlternateContent xmlns:mc="http://schemas.openxmlformats.org/markup-compatibility/2006">
-    <mc:Choice xmlns:p14="http://schemas.microsoft.com/office/powerpoint/2010/main" Requires="p14">
+  <mc:AlternateContent xmlns:mc="http://schemas.openxmlformats.org/markup-compatibility/2006" xmlns:p14="http://schemas.microsoft.com/office/powerpoint/2010/main">
+    <mc:Choice Requires="p14">
       <p:transition spd="slow" p14:dur="1300">
         <p14:pan dir="u"/>
       </p:transition>
     </mc:Choice>
-    <mc:Fallback>
+    <mc:Fallback xmlns="">
       <p:transition spd="slow">
         <p:fade/>
       </p:transition>
@@ -4620,13 +4625,13 @@
   <p:clrMapOvr>
     <a:masterClrMapping/>
   </p:clrMapOvr>
-  <mc:AlternateContent xmlns:mc="http://schemas.openxmlformats.org/markup-compatibility/2006">
-    <mc:Choice xmlns:p14="http://schemas.microsoft.com/office/powerpoint/2010/main" Requires="p14">
+  <mc:AlternateContent xmlns:mc="http://schemas.openxmlformats.org/markup-compatibility/2006" xmlns:p14="http://schemas.microsoft.com/office/powerpoint/2010/main">
+    <mc:Choice Requires="p14">
       <p:transition spd="slow" p14:dur="1300">
         <p14:pan dir="u"/>
       </p:transition>
     </mc:Choice>
-    <mc:Fallback>
+    <mc:Fallback xmlns="">
       <p:transition spd="slow">
         <p:fade/>
       </p:transition>
@@ -4825,13 +4830,13 @@
   <p:clrMapOvr>
     <a:overrideClrMapping bg1="lt1" tx1="dk1" bg2="lt2" tx2="dk2" accent1="accent1" accent2="accent2" accent3="accent3" accent4="accent4" accent5="accent5" accent6="accent6" hlink="hlink" folHlink="folHlink"/>
   </p:clrMapOvr>
-  <mc:AlternateContent xmlns:mc="http://schemas.openxmlformats.org/markup-compatibility/2006">
-    <mc:Choice xmlns:p14="http://schemas.microsoft.com/office/powerpoint/2010/main" Requires="p14">
+  <mc:AlternateContent xmlns:mc="http://schemas.openxmlformats.org/markup-compatibility/2006" xmlns:p14="http://schemas.microsoft.com/office/powerpoint/2010/main">
+    <mc:Choice Requires="p14">
       <p:transition spd="slow" p14:dur="1300">
         <p14:pan dir="u"/>
       </p:transition>
     </mc:Choice>
-    <mc:Fallback>
+    <mc:Fallback xmlns="">
       <p:transition spd="slow">
         <p:fade/>
       </p:transition>
@@ -5419,13 +5424,13 @@
   <p:clrMapOvr>
     <a:masterClrMapping/>
   </p:clrMapOvr>
-  <mc:AlternateContent xmlns:mc="http://schemas.openxmlformats.org/markup-compatibility/2006">
-    <mc:Choice xmlns:p14="http://schemas.microsoft.com/office/powerpoint/2010/main" Requires="p14">
+  <mc:AlternateContent xmlns:mc="http://schemas.openxmlformats.org/markup-compatibility/2006" xmlns:p14="http://schemas.microsoft.com/office/powerpoint/2010/main">
+    <mc:Choice Requires="p14">
       <p:transition spd="slow" p14:dur="1300">
         <p14:pan dir="u"/>
       </p:transition>
     </mc:Choice>
-    <mc:Fallback>
+    <mc:Fallback xmlns="">
       <p:transition spd="slow">
         <p:fade/>
       </p:transition>
@@ -5679,13 +5684,13 @@
   <p:clrMapOvr>
     <a:masterClrMapping/>
   </p:clrMapOvr>
-  <mc:AlternateContent xmlns:mc="http://schemas.openxmlformats.org/markup-compatibility/2006">
-    <mc:Choice xmlns:p14="http://schemas.microsoft.com/office/powerpoint/2010/main" Requires="p14">
+  <mc:AlternateContent xmlns:mc="http://schemas.openxmlformats.org/markup-compatibility/2006" xmlns:p14="http://schemas.microsoft.com/office/powerpoint/2010/main">
+    <mc:Choice Requires="p14">
       <p:transition spd="slow" p14:dur="1300">
         <p14:pan dir="u"/>
       </p:transition>
     </mc:Choice>
-    <mc:Fallback>
+    <mc:Fallback xmlns="">
       <p:transition spd="slow">
         <p:fade/>
       </p:transition>
@@ -5979,13 +5984,13 @@
   <p:clrMapOvr>
     <a:masterClrMapping/>
   </p:clrMapOvr>
-  <mc:AlternateContent xmlns:mc="http://schemas.openxmlformats.org/markup-compatibility/2006">
-    <mc:Choice xmlns:p14="http://schemas.microsoft.com/office/powerpoint/2010/main" Requires="p14">
+  <mc:AlternateContent xmlns:mc="http://schemas.openxmlformats.org/markup-compatibility/2006" xmlns:p14="http://schemas.microsoft.com/office/powerpoint/2010/main">
+    <mc:Choice Requires="p14">
       <p:transition spd="slow" p14:dur="1300">
         <p14:pan dir="u"/>
       </p:transition>
     </mc:Choice>
-    <mc:Fallback>
+    <mc:Fallback xmlns="">
       <p:transition spd="slow">
         <p:fade/>
       </p:transition>
@@ -6352,7 +6357,11 @@
             <a:pPr marL="742950" lvl="1" indent="-285750"/>
             <a:r>
               <a:rPr lang="hu-HU" b="1" dirty="0"/>
-              <a:t>GET /results</a:t>
+              <a:t>GET /</a:t>
+            </a:r>
+            <a:r>
+              <a:rPr lang="hu-HU" b="1" dirty="0" err="1"/>
+              <a:t>election-results</a:t>
             </a:r>
             <a:r>
               <a:rPr lang="hu-HU" dirty="0"/>
@@ -6479,6 +6488,36 @@
           </a:p>
         </p:txBody>
       </p:sp>
+      <p:pic>
+        <p:nvPicPr>
+          <p:cNvPr id="3" name="Kép 2">
+            <a:extLst>
+              <a:ext uri="{FF2B5EF4-FFF2-40B4-BE49-F238E27FC236}">
+                <a16:creationId xmlns:a16="http://schemas.microsoft.com/office/drawing/2014/main" id="{FCD5F1FD-15EA-445D-97A1-BE46CBC494CA}"/>
+              </a:ext>
+            </a:extLst>
+          </p:cNvPr>
+          <p:cNvPicPr>
+            <a:picLocks noChangeAspect="1"/>
+          </p:cNvPicPr>
+          <p:nvPr/>
+        </p:nvPicPr>
+        <p:blipFill>
+          <a:blip r:embed="rId3"/>
+          <a:stretch>
+            <a:fillRect/>
+          </a:stretch>
+        </p:blipFill>
+        <p:spPr>
+          <a:xfrm>
+            <a:off x="6694474" y="2002778"/>
+            <a:ext cx="3748390" cy="3364333"/>
+          </a:xfrm>
+          <a:prstGeom prst="rect">
+            <a:avLst/>
+          </a:prstGeom>
+        </p:spPr>
+      </p:pic>
     </p:spTree>
     <p:extLst>
       <p:ext uri="{BB962C8B-B14F-4D97-AF65-F5344CB8AC3E}">
@@ -6489,13 +6528,13 @@
   <p:clrMapOvr>
     <a:masterClrMapping/>
   </p:clrMapOvr>
-  <mc:AlternateContent xmlns:mc="http://schemas.openxmlformats.org/markup-compatibility/2006">
-    <mc:Choice xmlns:p14="http://schemas.microsoft.com/office/powerpoint/2010/main" Requires="p14">
+  <mc:AlternateContent xmlns:mc="http://schemas.openxmlformats.org/markup-compatibility/2006" xmlns:p14="http://schemas.microsoft.com/office/powerpoint/2010/main">
+    <mc:Choice Requires="p14">
       <p:transition spd="slow" p14:dur="1300">
         <p14:pan dir="u"/>
       </p:transition>
     </mc:Choice>
-    <mc:Fallback>
+    <mc:Fallback xmlns="">
       <p:transition spd="slow">
         <p:fade/>
       </p:transition>
@@ -6731,6 +6770,66 @@
           </a:p>
         </p:txBody>
       </p:sp>
+      <p:pic>
+        <p:nvPicPr>
+          <p:cNvPr id="3" name="Kép 2">
+            <a:extLst>
+              <a:ext uri="{FF2B5EF4-FFF2-40B4-BE49-F238E27FC236}">
+                <a16:creationId xmlns:a16="http://schemas.microsoft.com/office/drawing/2014/main" id="{3A1F0BE6-012C-4F14-97BB-2EFEAD5BA48D}"/>
+              </a:ext>
+            </a:extLst>
+          </p:cNvPr>
+          <p:cNvPicPr>
+            <a:picLocks noChangeAspect="1"/>
+          </p:cNvPicPr>
+          <p:nvPr/>
+        </p:nvPicPr>
+        <p:blipFill>
+          <a:blip r:embed="rId3"/>
+          <a:stretch>
+            <a:fillRect/>
+          </a:stretch>
+        </p:blipFill>
+        <p:spPr>
+          <a:xfrm>
+            <a:off x="8316238" y="1642524"/>
+            <a:ext cx="1497875" cy="4868096"/>
+          </a:xfrm>
+          <a:prstGeom prst="rect">
+            <a:avLst/>
+          </a:prstGeom>
+        </p:spPr>
+      </p:pic>
+      <p:pic>
+        <p:nvPicPr>
+          <p:cNvPr id="7" name="Kép 6">
+            <a:extLst>
+              <a:ext uri="{FF2B5EF4-FFF2-40B4-BE49-F238E27FC236}">
+                <a16:creationId xmlns:a16="http://schemas.microsoft.com/office/drawing/2014/main" id="{0DBEACB0-0A5A-442C-829F-6629E07CEBA7}"/>
+              </a:ext>
+            </a:extLst>
+          </p:cNvPr>
+          <p:cNvPicPr>
+            <a:picLocks noChangeAspect="1"/>
+          </p:cNvPicPr>
+          <p:nvPr/>
+        </p:nvPicPr>
+        <p:blipFill>
+          <a:blip r:embed="rId4"/>
+          <a:stretch>
+            <a:fillRect/>
+          </a:stretch>
+        </p:blipFill>
+        <p:spPr>
+          <a:xfrm>
+            <a:off x="10158692" y="1642524"/>
+            <a:ext cx="1377918" cy="3791266"/>
+          </a:xfrm>
+          <a:prstGeom prst="rect">
+            <a:avLst/>
+          </a:prstGeom>
+        </p:spPr>
+      </p:pic>
     </p:spTree>
     <p:extLst>
       <p:ext uri="{BB962C8B-B14F-4D97-AF65-F5344CB8AC3E}">
@@ -6741,13 +6840,13 @@
   <p:clrMapOvr>
     <a:masterClrMapping/>
   </p:clrMapOvr>
-  <mc:AlternateContent xmlns:mc="http://schemas.openxmlformats.org/markup-compatibility/2006">
-    <mc:Choice xmlns:p14="http://schemas.microsoft.com/office/powerpoint/2010/main" Requires="p14">
+  <mc:AlternateContent xmlns:mc="http://schemas.openxmlformats.org/markup-compatibility/2006" xmlns:p14="http://schemas.microsoft.com/office/powerpoint/2010/main">
+    <mc:Choice Requires="p14">
       <p:transition spd="slow" p14:dur="1300">
         <p14:pan dir="u"/>
       </p:transition>
     </mc:Choice>
-    <mc:Fallback>
+    <mc:Fallback xmlns="">
       <p:transition spd="slow">
         <p:fade/>
       </p:transition>
@@ -7029,6 +7128,66 @@
           </a:p>
         </p:txBody>
       </p:sp>
+      <p:pic>
+        <p:nvPicPr>
+          <p:cNvPr id="5" name="Kép 4">
+            <a:extLst>
+              <a:ext uri="{FF2B5EF4-FFF2-40B4-BE49-F238E27FC236}">
+                <a16:creationId xmlns:a16="http://schemas.microsoft.com/office/drawing/2014/main" id="{7B070F1D-2949-4815-8057-4477141A2B6B}"/>
+              </a:ext>
+            </a:extLst>
+          </p:cNvPr>
+          <p:cNvPicPr>
+            <a:picLocks noChangeAspect="1"/>
+          </p:cNvPicPr>
+          <p:nvPr/>
+        </p:nvPicPr>
+        <p:blipFill>
+          <a:blip r:embed="rId3"/>
+          <a:stretch>
+            <a:fillRect/>
+          </a:stretch>
+        </p:blipFill>
+        <p:spPr>
+          <a:xfrm>
+            <a:off x="7445434" y="1718509"/>
+            <a:ext cx="2418233" cy="1831382"/>
+          </a:xfrm>
+          <a:prstGeom prst="rect">
+            <a:avLst/>
+          </a:prstGeom>
+        </p:spPr>
+      </p:pic>
+      <p:pic>
+        <p:nvPicPr>
+          <p:cNvPr id="7" name="Kép 6">
+            <a:extLst>
+              <a:ext uri="{FF2B5EF4-FFF2-40B4-BE49-F238E27FC236}">
+                <a16:creationId xmlns:a16="http://schemas.microsoft.com/office/drawing/2014/main" id="{70B014AF-CF37-4E31-9732-FA533CFF0875}"/>
+              </a:ext>
+            </a:extLst>
+          </p:cNvPr>
+          <p:cNvPicPr>
+            <a:picLocks noChangeAspect="1"/>
+          </p:cNvPicPr>
+          <p:nvPr/>
+        </p:nvPicPr>
+        <p:blipFill>
+          <a:blip r:embed="rId4"/>
+          <a:stretch>
+            <a:fillRect/>
+          </a:stretch>
+        </p:blipFill>
+        <p:spPr>
+          <a:xfrm>
+            <a:off x="7445434" y="3878384"/>
+            <a:ext cx="3276105" cy="1724266"/>
+          </a:xfrm>
+          <a:prstGeom prst="rect">
+            <a:avLst/>
+          </a:prstGeom>
+        </p:spPr>
+      </p:pic>
     </p:spTree>
     <p:extLst>
       <p:ext uri="{BB962C8B-B14F-4D97-AF65-F5344CB8AC3E}">
@@ -7039,13 +7198,13 @@
   <p:clrMapOvr>
     <a:masterClrMapping/>
   </p:clrMapOvr>
-  <mc:AlternateContent xmlns:mc="http://schemas.openxmlformats.org/markup-compatibility/2006">
-    <mc:Choice xmlns:p14="http://schemas.microsoft.com/office/powerpoint/2010/main" Requires="p14">
+  <mc:AlternateContent xmlns:mc="http://schemas.openxmlformats.org/markup-compatibility/2006" xmlns:p14="http://schemas.microsoft.com/office/powerpoint/2010/main">
+    <mc:Choice Requires="p14">
       <p:transition spd="slow" p14:dur="1300">
         <p14:pan dir="u"/>
       </p:transition>
     </mc:Choice>
-    <mc:Fallback>
+    <mc:Fallback xmlns="">
       <p:transition spd="slow">
         <p:fade/>
       </p:transition>
@@ -7671,13 +7830,13 @@
   <p:clrMapOvr>
     <a:masterClrMapping/>
   </p:clrMapOvr>
-  <mc:AlternateContent xmlns:mc="http://schemas.openxmlformats.org/markup-compatibility/2006">
-    <mc:Choice xmlns:p14="http://schemas.microsoft.com/office/powerpoint/2010/main" Requires="p14">
+  <mc:AlternateContent xmlns:mc="http://schemas.openxmlformats.org/markup-compatibility/2006" xmlns:p14="http://schemas.microsoft.com/office/powerpoint/2010/main">
+    <mc:Choice Requires="p14">
       <p:transition spd="slow" p14:dur="1300">
         <p14:pan dir="u"/>
       </p:transition>
     </mc:Choice>
-    <mc:Fallback>
+    <mc:Fallback xmlns="">
       <p:transition spd="slow">
         <p:fade/>
       </p:transition>

--- a/presentation/Presentation.pptx
+++ b/presentation/Presentation.pptx
@@ -17,7 +17,8 @@
     <p:sldId id="275" r:id="rId11"/>
     <p:sldId id="276" r:id="rId12"/>
     <p:sldId id="277" r:id="rId13"/>
-    <p:sldId id="268" r:id="rId14"/>
+    <p:sldId id="278" r:id="rId14"/>
+    <p:sldId id="268" r:id="rId15"/>
   </p:sldIdLst>
   <p:sldSz cx="12192000" cy="6858000"/>
   <p:notesSz cx="6858000" cy="9144000"/>
@@ -273,7 +274,7 @@
           <a:p>
             <a:fld id="{80AFDA0D-E9DB-40FF-831C-74D9A44A70CE}" type="datetimeFigureOut">
               <a:rPr lang="hu-HU" smtClean="0"/>
-              <a:t>2025. 04. 28.</a:t>
+              <a:t>2025. 05. 05.</a:t>
             </a:fld>
             <a:endParaRPr lang="hu-HU"/>
           </a:p>
@@ -473,7 +474,7 @@
           <a:p>
             <a:fld id="{80AFDA0D-E9DB-40FF-831C-74D9A44A70CE}" type="datetimeFigureOut">
               <a:rPr lang="hu-HU" smtClean="0"/>
-              <a:t>2025. 04. 28.</a:t>
+              <a:t>2025. 05. 05.</a:t>
             </a:fld>
             <a:endParaRPr lang="hu-HU"/>
           </a:p>
@@ -683,7 +684,7 @@
           <a:p>
             <a:fld id="{80AFDA0D-E9DB-40FF-831C-74D9A44A70CE}" type="datetimeFigureOut">
               <a:rPr lang="hu-HU" smtClean="0"/>
-              <a:t>2025. 04. 28.</a:t>
+              <a:t>2025. 05. 05.</a:t>
             </a:fld>
             <a:endParaRPr lang="hu-HU"/>
           </a:p>
@@ -883,7 +884,7 @@
           <a:p>
             <a:fld id="{80AFDA0D-E9DB-40FF-831C-74D9A44A70CE}" type="datetimeFigureOut">
               <a:rPr lang="hu-HU" smtClean="0"/>
-              <a:t>2025. 04. 28.</a:t>
+              <a:t>2025. 05. 05.</a:t>
             </a:fld>
             <a:endParaRPr lang="hu-HU"/>
           </a:p>
@@ -1159,7 +1160,7 @@
           <a:p>
             <a:fld id="{80AFDA0D-E9DB-40FF-831C-74D9A44A70CE}" type="datetimeFigureOut">
               <a:rPr lang="hu-HU" smtClean="0"/>
-              <a:t>2025. 04. 28.</a:t>
+              <a:t>2025. 05. 05.</a:t>
             </a:fld>
             <a:endParaRPr lang="hu-HU"/>
           </a:p>
@@ -1427,7 +1428,7 @@
           <a:p>
             <a:fld id="{80AFDA0D-E9DB-40FF-831C-74D9A44A70CE}" type="datetimeFigureOut">
               <a:rPr lang="hu-HU" smtClean="0"/>
-              <a:t>2025. 04. 28.</a:t>
+              <a:t>2025. 05. 05.</a:t>
             </a:fld>
             <a:endParaRPr lang="hu-HU"/>
           </a:p>
@@ -1842,7 +1843,7 @@
           <a:p>
             <a:fld id="{80AFDA0D-E9DB-40FF-831C-74D9A44A70CE}" type="datetimeFigureOut">
               <a:rPr lang="hu-HU" smtClean="0"/>
-              <a:t>2025. 04. 28.</a:t>
+              <a:t>2025. 05. 05.</a:t>
             </a:fld>
             <a:endParaRPr lang="hu-HU"/>
           </a:p>
@@ -1984,7 +1985,7 @@
           <a:p>
             <a:fld id="{80AFDA0D-E9DB-40FF-831C-74D9A44A70CE}" type="datetimeFigureOut">
               <a:rPr lang="hu-HU" smtClean="0"/>
-              <a:t>2025. 04. 28.</a:t>
+              <a:t>2025. 05. 05.</a:t>
             </a:fld>
             <a:endParaRPr lang="hu-HU"/>
           </a:p>
@@ -2097,7 +2098,7 @@
           <a:p>
             <a:fld id="{80AFDA0D-E9DB-40FF-831C-74D9A44A70CE}" type="datetimeFigureOut">
               <a:rPr lang="hu-HU" smtClean="0"/>
-              <a:t>2025. 04. 28.</a:t>
+              <a:t>2025. 05. 05.</a:t>
             </a:fld>
             <a:endParaRPr lang="hu-HU"/>
           </a:p>
@@ -2410,7 +2411,7 @@
           <a:p>
             <a:fld id="{80AFDA0D-E9DB-40FF-831C-74D9A44A70CE}" type="datetimeFigureOut">
               <a:rPr lang="hu-HU" smtClean="0"/>
-              <a:t>2025. 04. 28.</a:t>
+              <a:t>2025. 05. 05.</a:t>
             </a:fld>
             <a:endParaRPr lang="hu-HU"/>
           </a:p>
@@ -2699,7 +2700,7 @@
           <a:p>
             <a:fld id="{80AFDA0D-E9DB-40FF-831C-74D9A44A70CE}" type="datetimeFigureOut">
               <a:rPr lang="hu-HU" smtClean="0"/>
-              <a:t>2025. 04. 28.</a:t>
+              <a:t>2025. 05. 05.</a:t>
             </a:fld>
             <a:endParaRPr lang="hu-HU"/>
           </a:p>
@@ -2942,7 +2943,7 @@
           <a:p>
             <a:fld id="{80AFDA0D-E9DB-40FF-831C-74D9A44A70CE}" type="datetimeFigureOut">
               <a:rPr lang="hu-HU" smtClean="0"/>
-              <a:t>2025. 04. 28.</a:t>
+              <a:t>2025. 05. 05.</a:t>
             </a:fld>
             <a:endParaRPr lang="hu-HU"/>
           </a:p>
@@ -4508,6 +4509,247 @@
 </file>
 
 <file path=ppt/slides/slide13.xml><?xml version="1.0" encoding="utf-8"?>
+<p:sld xmlns:a="http://schemas.openxmlformats.org/drawingml/2006/main" xmlns:r="http://schemas.openxmlformats.org/officeDocument/2006/relationships" xmlns:p="http://schemas.openxmlformats.org/presentationml/2006/main">
+  <p:cSld>
+    <p:spTree>
+      <p:nvGrpSpPr>
+        <p:cNvPr id="1" name=""/>
+        <p:cNvGrpSpPr/>
+        <p:nvPr/>
+      </p:nvGrpSpPr>
+      <p:grpSpPr>
+        <a:xfrm>
+          <a:off x="0" y="0"/>
+          <a:ext cx="0" cy="0"/>
+          <a:chOff x="0" y="0"/>
+          <a:chExt cx="0" cy="0"/>
+        </a:xfrm>
+      </p:grpSpPr>
+      <p:sp>
+        <p:nvSpPr>
+          <p:cNvPr id="2" name="Title 1">
+            <a:extLst>
+              <a:ext uri="{FF2B5EF4-FFF2-40B4-BE49-F238E27FC236}">
+                <a16:creationId xmlns:a16="http://schemas.microsoft.com/office/drawing/2014/main" id="{35C69C86-8DBB-5A91-550C-106130210C2E}"/>
+              </a:ext>
+            </a:extLst>
+          </p:cNvPr>
+          <p:cNvSpPr>
+            <a:spLocks noGrp="1"/>
+          </p:cNvSpPr>
+          <p:nvPr>
+            <p:ph type="title"/>
+          </p:nvPr>
+        </p:nvSpPr>
+        <p:spPr/>
+        <p:txBody>
+          <a:bodyPr>
+            <a:normAutofit/>
+          </a:bodyPr>
+          <a:lstStyle/>
+          <a:p>
+            <a:r>
+              <a:rPr lang="hu-HU" sz="4000" b="1" dirty="0">
+                <a:latin typeface="+mn-lt"/>
+              </a:rPr>
+              <a:t>Projekt </a:t>
+            </a:r>
+            <a:r>
+              <a:rPr lang="hu-HU" sz="4000" b="1" dirty="0">
+                <a:solidFill>
+                  <a:srgbClr val="033473"/>
+                </a:solidFill>
+                <a:latin typeface="+mn-lt"/>
+              </a:rPr>
+              <a:t>fejleszthetőség</a:t>
+            </a:r>
+          </a:p>
+        </p:txBody>
+      </p:sp>
+      <p:pic>
+        <p:nvPicPr>
+          <p:cNvPr id="4" name="Picture 3">
+            <a:extLst>
+              <a:ext uri="{FF2B5EF4-FFF2-40B4-BE49-F238E27FC236}">
+                <a16:creationId xmlns:a16="http://schemas.microsoft.com/office/drawing/2014/main" id="{9D5B476E-485C-33C8-D1EC-F3154364F560}"/>
+              </a:ext>
+            </a:extLst>
+          </p:cNvPr>
+          <p:cNvPicPr>
+            <a:picLocks noChangeAspect="1"/>
+          </p:cNvPicPr>
+          <p:nvPr/>
+        </p:nvPicPr>
+        <p:blipFill>
+          <a:blip r:embed="rId2"/>
+          <a:stretch>
+            <a:fillRect/>
+          </a:stretch>
+        </p:blipFill>
+        <p:spPr>
+          <a:xfrm>
+            <a:off x="10442864" y="5654448"/>
+            <a:ext cx="1497875" cy="1045029"/>
+          </a:xfrm>
+          <a:prstGeom prst="rect">
+            <a:avLst/>
+          </a:prstGeom>
+        </p:spPr>
+      </p:pic>
+      <p:sp>
+        <p:nvSpPr>
+          <p:cNvPr id="3" name="Content Placeholder 2">
+            <a:extLst>
+              <a:ext uri="{FF2B5EF4-FFF2-40B4-BE49-F238E27FC236}">
+                <a16:creationId xmlns:a16="http://schemas.microsoft.com/office/drawing/2014/main" id="{88942095-7CDB-2A5B-1CDD-21CA9AB261BF}"/>
+              </a:ext>
+            </a:extLst>
+          </p:cNvPr>
+          <p:cNvSpPr>
+            <a:spLocks noGrp="1"/>
+          </p:cNvSpPr>
+          <p:nvPr>
+            <p:ph idx="1"/>
+          </p:nvPr>
+        </p:nvSpPr>
+        <p:spPr>
+          <a:xfrm>
+            <a:off x="838200" y="1825625"/>
+            <a:ext cx="10515600" cy="4351338"/>
+          </a:xfrm>
+        </p:spPr>
+        <p:txBody>
+          <a:bodyPr>
+            <a:normAutofit lnSpcReduction="10000"/>
+          </a:bodyPr>
+          <a:lstStyle/>
+          <a:p>
+            <a:pPr>
+              <a:buClr>
+                <a:srgbClr val="033473"/>
+              </a:buClr>
+              <a:buFont typeface="Wingdings" panose="05000000000000000000" pitchFamily="2" charset="2"/>
+              <a:buChar char="§"/>
+            </a:pPr>
+            <a:r>
+              <a:rPr lang="hu-HU" sz="3200" b="1" dirty="0"/>
+              <a:t>Ügyfélkapu-alapú hitelesítés integrálása</a:t>
+            </a:r>
+          </a:p>
+          <a:p>
+            <a:pPr marL="0" indent="0">
+              <a:buClr>
+                <a:srgbClr val="033473"/>
+              </a:buClr>
+              <a:buNone/>
+            </a:pPr>
+            <a:r>
+              <a:rPr lang="hu-HU" sz="3200" b="1" dirty="0"/>
+              <a:t>-</a:t>
+            </a:r>
+            <a:r>
+              <a:rPr lang="hu-HU" sz="2400" dirty="0"/>
+              <a:t>A rendszer bővítése Ügyfélkapu-autentikációval a hivatalos és megbízható felhasználói azonosítás érdekében.</a:t>
+            </a:r>
+          </a:p>
+          <a:p>
+            <a:pPr marL="0" indent="0">
+              <a:buClr>
+                <a:srgbClr val="033473"/>
+              </a:buClr>
+              <a:buNone/>
+            </a:pPr>
+            <a:endParaRPr lang="hu-HU" sz="2400" dirty="0"/>
+          </a:p>
+          <a:p>
+            <a:pPr>
+              <a:buClr>
+                <a:srgbClr val="033473"/>
+              </a:buClr>
+              <a:buFont typeface="Wingdings" panose="05000000000000000000" pitchFamily="2" charset="2"/>
+              <a:buChar char="§"/>
+            </a:pPr>
+            <a:r>
+              <a:rPr lang="hu-HU" sz="3200" b="1" dirty="0"/>
+              <a:t>Mobilalkalmazás fejlesztése</a:t>
+            </a:r>
+          </a:p>
+          <a:p>
+            <a:pPr marL="0" indent="0">
+              <a:buClr>
+                <a:srgbClr val="033473"/>
+              </a:buClr>
+              <a:buNone/>
+            </a:pPr>
+            <a:r>
+              <a:rPr lang="hu-HU" sz="2400" dirty="0"/>
+              <a:t>- Külön Android/iOS alkalmazás a szavazás lebonyolításához és értesítések küldéséhez.</a:t>
+            </a:r>
+          </a:p>
+          <a:p>
+            <a:pPr>
+              <a:buClr>
+                <a:srgbClr val="033473"/>
+              </a:buClr>
+              <a:buFont typeface="Wingdings" panose="05000000000000000000" pitchFamily="2" charset="2"/>
+              <a:buChar char="§"/>
+            </a:pPr>
+            <a:endParaRPr lang="hu-HU" sz="2400" dirty="0"/>
+          </a:p>
+          <a:p>
+            <a:pPr>
+              <a:buClr>
+                <a:srgbClr val="033473"/>
+              </a:buClr>
+              <a:buFont typeface="Wingdings" panose="05000000000000000000" pitchFamily="2" charset="2"/>
+              <a:buChar char="§"/>
+            </a:pPr>
+            <a:r>
+              <a:rPr lang="hu-HU" sz="3200" b="1" dirty="0"/>
+              <a:t>Auditnapló és eseménykövetés</a:t>
+            </a:r>
+          </a:p>
+          <a:p>
+            <a:pPr marL="0" indent="0">
+              <a:buClr>
+                <a:srgbClr val="033473"/>
+              </a:buClr>
+              <a:buNone/>
+            </a:pPr>
+            <a:r>
+              <a:rPr lang="hu-HU" sz="2400" dirty="0"/>
+              <a:t>- Minden művelet naplózása visszakövethetőség és biztonsági ellenőrzés céljából.</a:t>
+            </a:r>
+            <a:endParaRPr lang="hu-HU" dirty="0"/>
+          </a:p>
+        </p:txBody>
+      </p:sp>
+    </p:spTree>
+    <p:extLst>
+      <p:ext uri="{BB962C8B-B14F-4D97-AF65-F5344CB8AC3E}">
+        <p14:creationId xmlns:p14="http://schemas.microsoft.com/office/powerpoint/2010/main" val="1919236660"/>
+      </p:ext>
+    </p:extLst>
+  </p:cSld>
+  <p:clrMapOvr>
+    <a:masterClrMapping/>
+  </p:clrMapOvr>
+  <mc:AlternateContent xmlns:mc="http://schemas.openxmlformats.org/markup-compatibility/2006" xmlns:p14="http://schemas.microsoft.com/office/powerpoint/2010/main">
+    <mc:Choice Requires="p14">
+      <p:transition spd="slow" p14:dur="1300">
+        <p14:pan dir="u"/>
+      </p:transition>
+    </mc:Choice>
+    <mc:Fallback xmlns="">
+      <p:transition spd="slow">
+        <p:fade/>
+      </p:transition>
+    </mc:Fallback>
+  </mc:AlternateContent>
+</p:sld>
+</file>
+
+<file path=ppt/slides/slide14.xml><?xml version="1.0" encoding="utf-8"?>
 <p:sld xmlns:a="http://schemas.openxmlformats.org/drawingml/2006/main" xmlns:r="http://schemas.openxmlformats.org/officeDocument/2006/relationships" xmlns:p="http://schemas.openxmlformats.org/presentationml/2006/main">
   <p:cSld>
     <p:bg>

--- a/presentation/Presentation.pptx
+++ b/presentation/Presentation.pptx
@@ -274,7 +274,7 @@
           <a:p>
             <a:fld id="{80AFDA0D-E9DB-40FF-831C-74D9A44A70CE}" type="datetimeFigureOut">
               <a:rPr lang="hu-HU" smtClean="0"/>
-              <a:t>2025. 05. 05.</a:t>
+              <a:t>2025. 05. 28.</a:t>
             </a:fld>
             <a:endParaRPr lang="hu-HU"/>
           </a:p>
@@ -474,7 +474,7 @@
           <a:p>
             <a:fld id="{80AFDA0D-E9DB-40FF-831C-74D9A44A70CE}" type="datetimeFigureOut">
               <a:rPr lang="hu-HU" smtClean="0"/>
-              <a:t>2025. 05. 05.</a:t>
+              <a:t>2025. 05. 28.</a:t>
             </a:fld>
             <a:endParaRPr lang="hu-HU"/>
           </a:p>
@@ -684,7 +684,7 @@
           <a:p>
             <a:fld id="{80AFDA0D-E9DB-40FF-831C-74D9A44A70CE}" type="datetimeFigureOut">
               <a:rPr lang="hu-HU" smtClean="0"/>
-              <a:t>2025. 05. 05.</a:t>
+              <a:t>2025. 05. 28.</a:t>
             </a:fld>
             <a:endParaRPr lang="hu-HU"/>
           </a:p>
@@ -884,7 +884,7 @@
           <a:p>
             <a:fld id="{80AFDA0D-E9DB-40FF-831C-74D9A44A70CE}" type="datetimeFigureOut">
               <a:rPr lang="hu-HU" smtClean="0"/>
-              <a:t>2025. 05. 05.</a:t>
+              <a:t>2025. 05. 28.</a:t>
             </a:fld>
             <a:endParaRPr lang="hu-HU"/>
           </a:p>
@@ -1160,7 +1160,7 @@
           <a:p>
             <a:fld id="{80AFDA0D-E9DB-40FF-831C-74D9A44A70CE}" type="datetimeFigureOut">
               <a:rPr lang="hu-HU" smtClean="0"/>
-              <a:t>2025. 05. 05.</a:t>
+              <a:t>2025. 05. 28.</a:t>
             </a:fld>
             <a:endParaRPr lang="hu-HU"/>
           </a:p>
@@ -1428,7 +1428,7 @@
           <a:p>
             <a:fld id="{80AFDA0D-E9DB-40FF-831C-74D9A44A70CE}" type="datetimeFigureOut">
               <a:rPr lang="hu-HU" smtClean="0"/>
-              <a:t>2025. 05. 05.</a:t>
+              <a:t>2025. 05. 28.</a:t>
             </a:fld>
             <a:endParaRPr lang="hu-HU"/>
           </a:p>
@@ -1843,7 +1843,7 @@
           <a:p>
             <a:fld id="{80AFDA0D-E9DB-40FF-831C-74D9A44A70CE}" type="datetimeFigureOut">
               <a:rPr lang="hu-HU" smtClean="0"/>
-              <a:t>2025. 05. 05.</a:t>
+              <a:t>2025. 05. 28.</a:t>
             </a:fld>
             <a:endParaRPr lang="hu-HU"/>
           </a:p>
@@ -1985,7 +1985,7 @@
           <a:p>
             <a:fld id="{80AFDA0D-E9DB-40FF-831C-74D9A44A70CE}" type="datetimeFigureOut">
               <a:rPr lang="hu-HU" smtClean="0"/>
-              <a:t>2025. 05. 05.</a:t>
+              <a:t>2025. 05. 28.</a:t>
             </a:fld>
             <a:endParaRPr lang="hu-HU"/>
           </a:p>
@@ -2098,7 +2098,7 @@
           <a:p>
             <a:fld id="{80AFDA0D-E9DB-40FF-831C-74D9A44A70CE}" type="datetimeFigureOut">
               <a:rPr lang="hu-HU" smtClean="0"/>
-              <a:t>2025. 05. 05.</a:t>
+              <a:t>2025. 05. 28.</a:t>
             </a:fld>
             <a:endParaRPr lang="hu-HU"/>
           </a:p>
@@ -2411,7 +2411,7 @@
           <a:p>
             <a:fld id="{80AFDA0D-E9DB-40FF-831C-74D9A44A70CE}" type="datetimeFigureOut">
               <a:rPr lang="hu-HU" smtClean="0"/>
-              <a:t>2025. 05. 05.</a:t>
+              <a:t>2025. 05. 28.</a:t>
             </a:fld>
             <a:endParaRPr lang="hu-HU"/>
           </a:p>
@@ -2700,7 +2700,7 @@
           <a:p>
             <a:fld id="{80AFDA0D-E9DB-40FF-831C-74D9A44A70CE}" type="datetimeFigureOut">
               <a:rPr lang="hu-HU" smtClean="0"/>
-              <a:t>2025. 05. 05.</a:t>
+              <a:t>2025. 05. 28.</a:t>
             </a:fld>
             <a:endParaRPr lang="hu-HU"/>
           </a:p>
@@ -2943,7 +2943,7 @@
           <a:p>
             <a:fld id="{80AFDA0D-E9DB-40FF-831C-74D9A44A70CE}" type="datetimeFigureOut">
               <a:rPr lang="hu-HU" smtClean="0"/>
-              <a:t>2025. 05. 05.</a:t>
+              <a:t>2025. 05. 28.</a:t>
             </a:fld>
             <a:endParaRPr lang="hu-HU"/>
           </a:p>
@@ -6188,10 +6188,10 @@
       </p:sp>
       <p:pic>
         <p:nvPicPr>
-          <p:cNvPr id="10" name="Picture 9">
-            <a:extLst>
-              <a:ext uri="{FF2B5EF4-FFF2-40B4-BE49-F238E27FC236}">
-                <a16:creationId xmlns:a16="http://schemas.microsoft.com/office/drawing/2014/main" id="{94C93653-646E-7A94-460A-891154C03A5A}"/>
+          <p:cNvPr id="6" name="Picture 5">
+            <a:extLst>
+              <a:ext uri="{FF2B5EF4-FFF2-40B4-BE49-F238E27FC236}">
+                <a16:creationId xmlns:a16="http://schemas.microsoft.com/office/drawing/2014/main" id="{1E428AF6-E85A-347E-5E13-CF667858AF25}"/>
               </a:ext>
             </a:extLst>
           </p:cNvPr>
@@ -6208,8 +6208,8 @@
         </p:blipFill>
         <p:spPr>
           <a:xfrm>
-            <a:off x="1337367" y="2600587"/>
-            <a:ext cx="3872196" cy="3278049"/>
+            <a:off x="1006813" y="2676687"/>
+            <a:ext cx="4954039" cy="3359867"/>
           </a:xfrm>
           <a:prstGeom prst="rect">
             <a:avLst/>

--- a/presentation/Presentation.pptx
+++ b/presentation/Presentation.pptx
@@ -6188,10 +6188,10 @@
       </p:sp>
       <p:pic>
         <p:nvPicPr>
-          <p:cNvPr id="6" name="Picture 5">
-            <a:extLst>
-              <a:ext uri="{FF2B5EF4-FFF2-40B4-BE49-F238E27FC236}">
-                <a16:creationId xmlns:a16="http://schemas.microsoft.com/office/drawing/2014/main" id="{1E428AF6-E85A-347E-5E13-CF667858AF25}"/>
+          <p:cNvPr id="7" name="Picture 6">
+            <a:extLst>
+              <a:ext uri="{FF2B5EF4-FFF2-40B4-BE49-F238E27FC236}">
+                <a16:creationId xmlns:a16="http://schemas.microsoft.com/office/drawing/2014/main" id="{D087E745-87FD-64EE-252E-3F08788A2A68}"/>
               </a:ext>
             </a:extLst>
           </p:cNvPr>
@@ -6208,8 +6208,8 @@
         </p:blipFill>
         <p:spPr>
           <a:xfrm>
-            <a:off x="1006813" y="2676687"/>
-            <a:ext cx="4954039" cy="3359867"/>
+            <a:off x="1269476" y="2592238"/>
+            <a:ext cx="4501595" cy="4025564"/>
           </a:xfrm>
           <a:prstGeom prst="rect">
             <a:avLst/>
